--- a/HAVV-Analysis-2024-07-23.pptx
+++ b/HAVV-Analysis-2024-07-23.pptx
@@ -211,7 +211,7 @@
           <a:p>
             <a:fld id="{1A310B7E-EB7F-4F3A-AA54-F9BFEFFA570F}" type="datetimeFigureOut">
               <a:rPr lang="en-US" smtClean="0"/>
-              <a:t>7/23/2024</a:t>
+              <a:t>7/26/2024</a:t>
             </a:fld>
             <a:endParaRPr lang="en-US"/>
           </a:p>
@@ -1491,7 +1491,7 @@
           <a:p>
             <a:fld id="{096D9BF8-425E-4545-A641-71A98335B590}" type="datetime1">
               <a:rPr lang="en-US" smtClean="0"/>
-              <a:t>7/23/2024</a:t>
+              <a:t>7/26/2024</a:t>
             </a:fld>
             <a:endParaRPr lang="en-US"/>
           </a:p>
@@ -1689,7 +1689,7 @@
           <a:p>
             <a:fld id="{3C997461-1BE9-4A1C-B64A-1BBFDF11B493}" type="datetime1">
               <a:rPr lang="en-US" smtClean="0"/>
-              <a:t>7/23/2024</a:t>
+              <a:t>7/26/2024</a:t>
             </a:fld>
             <a:endParaRPr lang="en-US"/>
           </a:p>
@@ -1897,7 +1897,7 @@
           <a:p>
             <a:fld id="{31D86081-7A07-40DC-A64E-786DBEC28915}" type="datetime1">
               <a:rPr lang="en-US" smtClean="0"/>
-              <a:t>7/23/2024</a:t>
+              <a:t>7/26/2024</a:t>
             </a:fld>
             <a:endParaRPr lang="en-US"/>
           </a:p>
@@ -2095,7 +2095,7 @@
           <a:p>
             <a:fld id="{79533F79-1CFF-459D-B329-770517960D2D}" type="datetime1">
               <a:rPr lang="en-US" smtClean="0"/>
-              <a:t>7/23/2024</a:t>
+              <a:t>7/26/2024</a:t>
             </a:fld>
             <a:endParaRPr lang="en-US"/>
           </a:p>
@@ -2370,7 +2370,7 @@
           <a:p>
             <a:fld id="{DE16E346-F003-445F-A328-C7BF9F591C64}" type="datetime1">
               <a:rPr lang="en-US" smtClean="0"/>
-              <a:t>7/23/2024</a:t>
+              <a:t>7/26/2024</a:t>
             </a:fld>
             <a:endParaRPr lang="en-US"/>
           </a:p>
@@ -2635,7 +2635,7 @@
           <a:p>
             <a:fld id="{41B62B19-66CC-446E-856C-251D905692DC}" type="datetime1">
               <a:rPr lang="en-US" smtClean="0"/>
-              <a:t>7/23/2024</a:t>
+              <a:t>7/26/2024</a:t>
             </a:fld>
             <a:endParaRPr lang="en-US"/>
           </a:p>
@@ -3047,7 +3047,7 @@
           <a:p>
             <a:fld id="{645914FA-DCF2-4476-A54A-2FF379F701F5}" type="datetime1">
               <a:rPr lang="en-US" smtClean="0"/>
-              <a:t>7/23/2024</a:t>
+              <a:t>7/26/2024</a:t>
             </a:fld>
             <a:endParaRPr lang="en-US"/>
           </a:p>
@@ -3188,7 +3188,7 @@
           <a:p>
             <a:fld id="{4D573976-6050-4FBB-9801-E6ECE1F86EB7}" type="datetime1">
               <a:rPr lang="en-US" smtClean="0"/>
-              <a:t>7/23/2024</a:t>
+              <a:t>7/26/2024</a:t>
             </a:fld>
             <a:endParaRPr lang="en-US"/>
           </a:p>
@@ -3301,7 +3301,7 @@
           <a:p>
             <a:fld id="{4689597B-38AD-4F87-9879-1279E47DB340}" type="datetime1">
               <a:rPr lang="en-US" smtClean="0"/>
-              <a:t>7/23/2024</a:t>
+              <a:t>7/26/2024</a:t>
             </a:fld>
             <a:endParaRPr lang="en-US"/>
           </a:p>
@@ -3612,7 +3612,7 @@
           <a:p>
             <a:fld id="{20AC2437-6B40-40B8-8BC3-F133A93B84AE}" type="datetime1">
               <a:rPr lang="en-US" smtClean="0"/>
-              <a:t>7/23/2024</a:t>
+              <a:t>7/26/2024</a:t>
             </a:fld>
             <a:endParaRPr lang="en-US"/>
           </a:p>
@@ -3900,7 +3900,7 @@
           <a:p>
             <a:fld id="{F0E0234A-EB7C-41AC-AAA7-99406732DCD9}" type="datetime1">
               <a:rPr lang="en-US" smtClean="0"/>
-              <a:t>7/23/2024</a:t>
+              <a:t>7/26/2024</a:t>
             </a:fld>
             <a:endParaRPr lang="en-US"/>
           </a:p>
@@ -4141,7 +4141,7 @@
           <a:p>
             <a:fld id="{C4860390-25CD-4D51-B2F9-04DE340CE7B7}" type="datetime1">
               <a:rPr lang="en-US" smtClean="0"/>
-              <a:t>7/23/2024</a:t>
+              <a:t>7/26/2024</a:t>
             </a:fld>
             <a:endParaRPr lang="en-US"/>
           </a:p>
@@ -4649,7 +4649,7 @@
           <a:p>
             <a:r>
               <a:rPr lang="en-US" sz="1800"/>
-              <a:t>2024-07-23</a:t>
+              <a:t>2024-07-26</a:t>
             </a:r>
           </a:p>
         </p:txBody>
@@ -4711,19 +4711,12 @@
           <a:lstStyle/>
           <a:p>
             <a:r>
-              <a:rPr lang="en-US" sz="2400" b="1">
+              <a:rPr lang="en-US" b="1">
                 <a:solidFill>
                   <a:srgbClr val="0070C0"/>
                 </a:solidFill>
               </a:rPr>
-              <a:t>Help America Vote Verification Data</a:t>
-            </a:r>
-            <a:br>
-              <a:rPr lang="en-US"/>
-            </a:br>
-            <a:r>
-              <a:rPr lang="en-US"/>
-              <a:t>More usable state data</a:t>
+              <a:t>More usable HAVV data</a:t>
             </a:r>
             <a:br>
               <a:rPr lang="en-US"/>
@@ -5217,58 +5210,12 @@
           <a:lstStyle/>
           <a:p>
             <a:r>
-              <a:rPr lang="en-US" sz="2400" b="1">
-                <a:solidFill>
-                  <a:srgbClr val="0070C0"/>
-                </a:solidFill>
-              </a:rPr>
-              <a:t>Help America Vote Verification Data</a:t>
-            </a:r>
-            <a:br>
-              <a:rPr lang="en-US"/>
-            </a:br>
-            <a:r>
               <a:rPr lang="en-US" b="1">
                 <a:solidFill>
                   <a:srgbClr val="0070C0"/>
                 </a:solidFill>
               </a:rPr>
-              <a:t>“First Look” Notebook</a:t>
-            </a:r>
-          </a:p>
-        </p:txBody>
-      </p:sp>
-      <p:sp>
-        <p:nvSpPr>
-          <p:cNvPr id="7" name="TextBox 6">
-            <a:extLst>
-              <a:ext uri="{FF2B5EF4-FFF2-40B4-BE49-F238E27FC236}">
-                <a16:creationId xmlns:a16="http://schemas.microsoft.com/office/drawing/2014/main" id="{8E8BEA1D-7400-8171-7130-F42E87FBF504}"/>
-              </a:ext>
-            </a:extLst>
-          </p:cNvPr>
-          <p:cNvSpPr txBox="1"/>
-          <p:nvPr/>
-        </p:nvSpPr>
-        <p:spPr>
-          <a:xfrm>
-            <a:off x="838200" y="1412778"/>
-            <a:ext cx="9585960" cy="369332"/>
-          </a:xfrm>
-          <a:prstGeom prst="rect">
-            <a:avLst/>
-          </a:prstGeom>
-          <a:noFill/>
-        </p:spPr>
-        <p:txBody>
-          <a:bodyPr wrap="square" rtlCol="0">
-            <a:spAutoFit/>
-          </a:bodyPr>
-          <a:lstStyle/>
-          <a:p>
-            <a:r>
-              <a:rPr lang="en-US"/>
-              <a:t>Create more usable HAVV data in single Excel files</a:t>
+              <a:t>More usable HAVV data</a:t>
             </a:r>
           </a:p>
         </p:txBody>
@@ -5317,13 +5264,13 @@
           <p:nvPr>
             <p:extLst>
               <p:ext uri="{D42A27DB-BD31-4B8C-83A1-F6EECF244321}">
-                <p14:modId xmlns:p14="http://schemas.microsoft.com/office/powerpoint/2010/main" val="2579829334"/>
+                <p14:modId xmlns:p14="http://schemas.microsoft.com/office/powerpoint/2010/main" val="3284680967"/>
               </p:ext>
             </p:extLst>
           </p:nvPr>
         </p:nvGraphicFramePr>
         <p:xfrm>
-          <a:off x="923261" y="2022525"/>
+          <a:off x="930295" y="1607528"/>
           <a:ext cx="9762936" cy="2568229"/>
         </p:xfrm>
         <a:graphic>
@@ -5937,17 +5884,6 @@
           <a:lstStyle/>
           <a:p>
             <a:r>
-              <a:rPr lang="en-US" sz="2400" b="1">
-                <a:solidFill>
-                  <a:srgbClr val="0070C0"/>
-                </a:solidFill>
-              </a:rPr>
-              <a:t>Help America Vote Verification Data</a:t>
-            </a:r>
-            <a:br>
-              <a:rPr lang="en-US"/>
-            </a:br>
-            <a:r>
               <a:rPr lang="en-US" b="1">
                 <a:solidFill>
                   <a:srgbClr val="0070C0"/>
@@ -6257,17 +6193,6 @@
           <a:lstStyle/>
           <a:p>
             <a:r>
-              <a:rPr lang="en-US" sz="2400" b="1">
-                <a:solidFill>
-                  <a:srgbClr val="0070C0"/>
-                </a:solidFill>
-              </a:rPr>
-              <a:t>Help America Vote Verification Data</a:t>
-            </a:r>
-            <a:br>
-              <a:rPr lang="en-US"/>
-            </a:br>
-            <a:r>
               <a:rPr lang="en-US" b="1">
                 <a:solidFill>
                   <a:srgbClr val="0070C0"/>
@@ -6625,17 +6550,6 @@
           <a:bodyPr/>
           <a:lstStyle/>
           <a:p>
-            <a:r>
-              <a:rPr lang="en-US" sz="2400" b="1">
-                <a:solidFill>
-                  <a:srgbClr val="0070C0"/>
-                </a:solidFill>
-              </a:rPr>
-              <a:t>Help America Vote Verification Data</a:t>
-            </a:r>
-            <a:br>
-              <a:rPr lang="en-US"/>
-            </a:br>
             <a:r>
               <a:rPr lang="en-US" b="1">
                 <a:solidFill>
@@ -7403,16 +7317,18 @@
         </p:nvSpPr>
         <p:spPr/>
         <p:txBody>
-          <a:bodyPr/>
-          <a:lstStyle/>
-          <a:p>
-            <a:r>
-              <a:rPr lang="en-US" b="1">
+          <a:bodyPr>
+            <a:normAutofit/>
+          </a:bodyPr>
+          <a:lstStyle/>
+          <a:p>
+            <a:r>
+              <a:rPr lang="en-US" sz="4000" b="1">
                 <a:solidFill>
                   <a:srgbClr val="0070C0"/>
                 </a:solidFill>
               </a:rPr>
-              <a:t>Analysis of HAVV Data</a:t>
+              <a:t>Analysis of Help America Voter Verification Data</a:t>
             </a:r>
           </a:p>
         </p:txBody>
@@ -7446,7 +7362,7 @@
           <a:p>
             <a:r>
               <a:rPr lang="en-US"/>
-              <a:t>Online Data</a:t>
+              <a:t>HAVV Online Data</a:t>
             </a:r>
           </a:p>
           <a:p>
@@ -7526,6 +7442,45 @@
               <a:t>2</a:t>
             </a:fld>
             <a:endParaRPr lang="en-US"/>
+          </a:p>
+        </p:txBody>
+      </p:sp>
+      <p:sp>
+        <p:nvSpPr>
+          <p:cNvPr id="5" name="TextBox 4">
+            <a:extLst>
+              <a:ext uri="{FF2B5EF4-FFF2-40B4-BE49-F238E27FC236}">
+                <a16:creationId xmlns:a16="http://schemas.microsoft.com/office/drawing/2014/main" id="{62FAA979-BC1F-FEF0-5A4C-B0520288C784}"/>
+              </a:ext>
+            </a:extLst>
+          </p:cNvPr>
+          <p:cNvSpPr txBox="1"/>
+          <p:nvPr/>
+        </p:nvSpPr>
+        <p:spPr>
+          <a:xfrm>
+            <a:off x="6983080" y="5446573"/>
+            <a:ext cx="3666163" cy="923330"/>
+          </a:xfrm>
+          <a:prstGeom prst="rect">
+            <a:avLst/>
+          </a:prstGeom>
+          <a:noFill/>
+        </p:spPr>
+        <p:txBody>
+          <a:bodyPr wrap="square" rtlCol="0">
+            <a:spAutoFit/>
+          </a:bodyPr>
+          <a:lstStyle/>
+          <a:p>
+            <a:r>
+              <a:rPr lang="en-US" i="1">
+                <a:solidFill>
+                  <a:srgbClr val="0070C0"/>
+                </a:solidFill>
+              </a:rPr>
+              <a:t>PowerPoint “Help America Vote Verification:  Data Issues to Explore” shows data issues by state</a:t>
+            </a:r>
           </a:p>
         </p:txBody>
       </p:sp>
@@ -9127,17 +9082,6 @@
           <a:lstStyle/>
           <a:p>
             <a:r>
-              <a:rPr lang="en-US" sz="2400" b="1">
-                <a:solidFill>
-                  <a:srgbClr val="0070C0"/>
-                </a:solidFill>
-              </a:rPr>
-              <a:t>Help America Vote Verification Data</a:t>
-            </a:r>
-            <a:br>
-              <a:rPr lang="en-US"/>
-            </a:br>
-            <a:r>
               <a:rPr lang="en-US" b="1">
                 <a:solidFill>
                   <a:srgbClr val="0070C0"/>
@@ -9583,17 +9527,6 @@
           <a:bodyPr/>
           <a:lstStyle/>
           <a:p>
-            <a:r>
-              <a:rPr lang="en-US" sz="2400" b="1">
-                <a:solidFill>
-                  <a:srgbClr val="0070C0"/>
-                </a:solidFill>
-              </a:rPr>
-              <a:t>Help America Vote Verification Data</a:t>
-            </a:r>
-            <a:br>
-              <a:rPr lang="en-US"/>
-            </a:br>
             <a:r>
               <a:rPr lang="en-US" b="1">
                 <a:solidFill>
